--- a/images/performance.pptx
+++ b/images/performance.pptx
@@ -162,6 +162,7 @@
       <c:style val="2"/>
     </mc:Fallback>
   </mc:AlternateContent>
+  <c:clrMapOvr bg1="lt1" tx1="dk1" bg2="lt2" tx2="dk2" accent1="accent1" accent2="accent2" accent3="accent3" accent4="accent4" accent5="accent5" accent6="accent6" hlink="hlink" folHlink="folHlink"/>
   <c:chart>
     <c:autoTitleDeleted val="1"/>
     <c:plotArea>
@@ -170,10 +171,10 @@
           <c:layoutTarget val="inner"/>
           <c:xMode val="edge"/>
           <c:yMode val="edge"/>
-          <c:x val="9.8644921988918055E-2"/>
-          <c:y val="0.12959300760481862"/>
-          <c:w val="0.82717200714494021"/>
-          <c:h val="0.73871206003095768"/>
+          <c:x val="0.1217930701370662"/>
+          <c:y val="0.10884805423920163"/>
+          <c:w val="0.77508867381160684"/>
+          <c:h val="0.68101975233865009"/>
         </c:manualLayout>
       </c:layout>
       <c:barChart>
@@ -189,7 +190,7 @@
               <c:strCache>
                 <c:ptCount val="1"/>
                 <c:pt idx="0">
-                  <c:v>Completed (%)</c:v>
+                  <c:v>Completed </c:v>
                 </c:pt>
               </c:strCache>
             </c:strRef>
@@ -266,15 +267,20 @@
               <c:strCache>
                 <c:ptCount val="1"/>
                 <c:pt idx="0">
-                  <c:v>Did not complete (%)</c:v>
+                  <c:v>Did not complete</c:v>
                 </c:pt>
               </c:strCache>
             </c:strRef>
           </c:tx>
           <c:spPr>
-            <a:solidFill>
-              <a:srgbClr val="62B2E8"/>
-            </a:solidFill>
+            <a:pattFill prst="wdUpDiag">
+              <a:fgClr>
+                <a:srgbClr val="CB3E2B"/>
+              </a:fgClr>
+              <a:bgClr>
+                <a:srgbClr val="D85240"/>
+              </a:bgClr>
+            </a:pattFill>
             <a:ln w="19050">
               <a:noFill/>
             </a:ln>
@@ -359,16 +365,14 @@
               <c:strCache>
                 <c:ptCount val="1"/>
                 <c:pt idx="0">
-                  <c:v>Average time (Minutes)</c:v>
+                  <c:v>Average Time</c:v>
                 </c:pt>
               </c:strCache>
             </c:strRef>
           </c:tx>
           <c:spPr>
             <a:ln w="63500" cap="rnd">
-              <a:solidFill>
-                <a:srgbClr val="FFC000"/>
-              </a:solidFill>
+              <a:noFill/>
               <a:round/>
             </a:ln>
             <a:effectLst/>
@@ -378,7 +382,10 @@
             <c:size val="20"/>
             <c:spPr>
               <a:solidFill>
-                <a:srgbClr val="FFC000"/>
+                <a:schemeClr val="tx1">
+                  <a:lumMod val="95000"/>
+                  <a:lumOff val="5000"/>
+                </a:schemeClr>
               </a:solidFill>
               <a:ln w="12700">
                 <a:noFill/>
@@ -478,7 +485,7 @@
           <a:effectLst/>
         </c:spPr>
         <c:txPr>
-          <a:bodyPr rot="0" spcFirstLastPara="1" vertOverflow="ellipsis" vert="horz" wrap="square" anchor="t" anchorCtr="0"/>
+          <a:bodyPr rot="0" spcFirstLastPara="1" vertOverflow="ellipsis" wrap="square" anchor="t" anchorCtr="0"/>
           <a:lstStyle/>
           <a:p>
             <a:pPr>
@@ -523,6 +530,55 @@
             <a:effectLst/>
           </c:spPr>
         </c:majorGridlines>
+        <c:title>
+          <c:tx>
+            <c:rich>
+              <a:bodyPr rot="-5400000" spcFirstLastPara="1" vertOverflow="ellipsis" vert="horz" wrap="square" anchor="ctr" anchorCtr="1"/>
+              <a:lstStyle/>
+              <a:p>
+                <a:pPr>
+                  <a:defRPr sz="2400" b="0" i="0" u="none" strike="noStrike" kern="1200" baseline="0">
+                    <a:solidFill>
+                      <a:schemeClr val="tx1"/>
+                    </a:solidFill>
+                    <a:latin typeface="+mj-lt"/>
+                    <a:ea typeface="+mn-ea"/>
+                    <a:cs typeface="+mn-cs"/>
+                  </a:defRPr>
+                </a:pPr>
+                <a:r>
+                  <a:rPr lang="en-US" dirty="0"/>
+                  <a:t>Participants (%)</a:t>
+                </a:r>
+              </a:p>
+            </c:rich>
+          </c:tx>
+          <c:overlay val="0"/>
+          <c:spPr>
+            <a:noFill/>
+            <a:ln>
+              <a:noFill/>
+            </a:ln>
+            <a:effectLst/>
+          </c:spPr>
+          <c:txPr>
+            <a:bodyPr rot="-5400000" spcFirstLastPara="1" vertOverflow="ellipsis" vert="horz" wrap="square" anchor="ctr" anchorCtr="1"/>
+            <a:lstStyle/>
+            <a:p>
+              <a:pPr>
+                <a:defRPr sz="2400" b="0" i="0" u="none" strike="noStrike" kern="1200" baseline="0">
+                  <a:solidFill>
+                    <a:schemeClr val="tx1"/>
+                  </a:solidFill>
+                  <a:latin typeface="+mj-lt"/>
+                  <a:ea typeface="+mn-ea"/>
+                  <a:cs typeface="+mn-cs"/>
+                </a:defRPr>
+              </a:pPr>
+              <a:endParaRPr lang="en-US"/>
+            </a:p>
+          </c:txPr>
+        </c:title>
         <c:numFmt formatCode="0%" sourceLinked="1"/>
         <c:majorTickMark val="none"/>
         <c:minorTickMark val="none"/>
@@ -564,6 +620,55 @@
         </c:scaling>
         <c:delete val="0"/>
         <c:axPos val="r"/>
+        <c:title>
+          <c:tx>
+            <c:rich>
+              <a:bodyPr rot="-5400000" spcFirstLastPara="1" vertOverflow="ellipsis" vert="horz" wrap="square" anchor="ctr" anchorCtr="1"/>
+              <a:lstStyle/>
+              <a:p>
+                <a:pPr>
+                  <a:defRPr sz="2400" b="0" i="0" u="none" strike="noStrike" kern="1200" baseline="0">
+                    <a:solidFill>
+                      <a:schemeClr val="tx1"/>
+                    </a:solidFill>
+                    <a:latin typeface="+mj-lt"/>
+                    <a:ea typeface="+mn-ea"/>
+                    <a:cs typeface="+mn-cs"/>
+                  </a:defRPr>
+                </a:pPr>
+                <a:r>
+                  <a:rPr lang="en-US" dirty="0"/>
+                  <a:t>Time (Minutes)</a:t>
+                </a:r>
+              </a:p>
+            </c:rich>
+          </c:tx>
+          <c:overlay val="0"/>
+          <c:spPr>
+            <a:noFill/>
+            <a:ln>
+              <a:noFill/>
+            </a:ln>
+            <a:effectLst/>
+          </c:spPr>
+          <c:txPr>
+            <a:bodyPr rot="-5400000" spcFirstLastPara="1" vertOverflow="ellipsis" vert="horz" wrap="square" anchor="ctr" anchorCtr="1"/>
+            <a:lstStyle/>
+            <a:p>
+              <a:pPr>
+                <a:defRPr sz="2400" b="0" i="0" u="none" strike="noStrike" kern="1200" baseline="0">
+                  <a:solidFill>
+                    <a:schemeClr val="tx1"/>
+                  </a:solidFill>
+                  <a:latin typeface="+mj-lt"/>
+                  <a:ea typeface="+mn-ea"/>
+                  <a:cs typeface="+mn-cs"/>
+                </a:defRPr>
+              </a:pPr>
+              <a:endParaRPr lang="en-US"/>
+            </a:p>
+          </c:txPr>
+        </c:title>
         <c:numFmt formatCode="General" sourceLinked="1"/>
         <c:majorTickMark val="out"/>
         <c:minorTickMark val="none"/>
@@ -576,7 +681,7 @@
           <a:effectLst/>
         </c:spPr>
         <c:txPr>
-          <a:bodyPr rot="0" spcFirstLastPara="1" vertOverflow="ellipsis" vert="horz" wrap="square" anchor="ctr" anchorCtr="0"/>
+          <a:bodyPr rot="0" spcFirstLastPara="1" vertOverflow="ellipsis" wrap="square" anchor="ctr" anchorCtr="0"/>
           <a:lstStyle/>
           <a:p>
             <a:pPr>
@@ -629,6 +734,16 @@
     </c:plotArea>
     <c:legend>
       <c:legendPos val="t"/>
+      <c:layout>
+        <c:manualLayout>
+          <c:xMode val="edge"/>
+          <c:yMode val="edge"/>
+          <c:x val="5.000000000000001E-2"/>
+          <c:y val="1.9704651133593529E-2"/>
+          <c:w val="0.9"/>
+          <c:h val="7.4790699239518144E-2"/>
+        </c:manualLayout>
+      </c:layout>
       <c:overlay val="0"/>
       <c:spPr>
         <a:noFill/>
@@ -657,14 +772,8 @@
     </c:legend>
     <c:plotVisOnly val="1"/>
     <c:dispBlanksAs val="gap"/>
-    <c:extLst>
-      <c:ext xmlns:c16r3="http://schemas.microsoft.com/office/drawing/2017/03/chart" uri="{56B9EC1D-385E-4148-901F-78D8002777C0}">
-        <c16r3:dataDisplayOptions16>
-          <c16r3:dispNaAsBlank val="1"/>
-        </c16r3:dataDisplayOptions16>
-      </c:ext>
-    </c:extLst>
     <c:showDLblsOverMax val="0"/>
+    <c:extLst/>
   </c:chart>
   <c:spPr>
     <a:noFill/>
@@ -688,7 +797,7 @@
       <a:endParaRPr lang="en-US"/>
     </a:p>
   </c:txPr>
-  <c:externalData r:id="rId3">
+  <c:externalData r:id="rId4">
     <c:autoUpdate val="0"/>
   </c:externalData>
 </c:chartSpace>
@@ -1368,7 +1477,7 @@
           <a:p>
             <a:fld id="{9B556190-6725-42BC-91B8-2ED81A29EEE5}" type="datetimeFigureOut">
               <a:rPr lang="en-US" smtClean="0"/>
-              <a:t>7/26/2023</a:t>
+              <a:t>9/7/2023</a:t>
             </a:fld>
             <a:endParaRPr lang="en-US"/>
           </a:p>
@@ -1538,7 +1647,7 @@
           <a:p>
             <a:fld id="{9B556190-6725-42BC-91B8-2ED81A29EEE5}" type="datetimeFigureOut">
               <a:rPr lang="en-US" smtClean="0"/>
-              <a:t>7/26/2023</a:t>
+              <a:t>9/7/2023</a:t>
             </a:fld>
             <a:endParaRPr lang="en-US"/>
           </a:p>
@@ -1718,7 +1827,7 @@
           <a:p>
             <a:fld id="{9B556190-6725-42BC-91B8-2ED81A29EEE5}" type="datetimeFigureOut">
               <a:rPr lang="en-US" smtClean="0"/>
-              <a:t>7/26/2023</a:t>
+              <a:t>9/7/2023</a:t>
             </a:fld>
             <a:endParaRPr lang="en-US"/>
           </a:p>
@@ -1888,7 +1997,7 @@
           <a:p>
             <a:fld id="{9B556190-6725-42BC-91B8-2ED81A29EEE5}" type="datetimeFigureOut">
               <a:rPr lang="en-US" smtClean="0"/>
-              <a:t>7/26/2023</a:t>
+              <a:t>9/7/2023</a:t>
             </a:fld>
             <a:endParaRPr lang="en-US"/>
           </a:p>
@@ -2134,7 +2243,7 @@
           <a:p>
             <a:fld id="{9B556190-6725-42BC-91B8-2ED81A29EEE5}" type="datetimeFigureOut">
               <a:rPr lang="en-US" smtClean="0"/>
-              <a:t>7/26/2023</a:t>
+              <a:t>9/7/2023</a:t>
             </a:fld>
             <a:endParaRPr lang="en-US"/>
           </a:p>
@@ -2366,7 +2475,7 @@
           <a:p>
             <a:fld id="{9B556190-6725-42BC-91B8-2ED81A29EEE5}" type="datetimeFigureOut">
               <a:rPr lang="en-US" smtClean="0"/>
-              <a:t>7/26/2023</a:t>
+              <a:t>9/7/2023</a:t>
             </a:fld>
             <a:endParaRPr lang="en-US"/>
           </a:p>
@@ -2733,7 +2842,7 @@
           <a:p>
             <a:fld id="{9B556190-6725-42BC-91B8-2ED81A29EEE5}" type="datetimeFigureOut">
               <a:rPr lang="en-US" smtClean="0"/>
-              <a:t>7/26/2023</a:t>
+              <a:t>9/7/2023</a:t>
             </a:fld>
             <a:endParaRPr lang="en-US"/>
           </a:p>
@@ -2851,7 +2960,7 @@
           <a:p>
             <a:fld id="{9B556190-6725-42BC-91B8-2ED81A29EEE5}" type="datetimeFigureOut">
               <a:rPr lang="en-US" smtClean="0"/>
-              <a:t>7/26/2023</a:t>
+              <a:t>9/7/2023</a:t>
             </a:fld>
             <a:endParaRPr lang="en-US"/>
           </a:p>
@@ -2946,7 +3055,7 @@
           <a:p>
             <a:fld id="{9B556190-6725-42BC-91B8-2ED81A29EEE5}" type="datetimeFigureOut">
               <a:rPr lang="en-US" smtClean="0"/>
-              <a:t>7/26/2023</a:t>
+              <a:t>9/7/2023</a:t>
             </a:fld>
             <a:endParaRPr lang="en-US"/>
           </a:p>
@@ -3223,7 +3332,7 @@
           <a:p>
             <a:fld id="{9B556190-6725-42BC-91B8-2ED81A29EEE5}" type="datetimeFigureOut">
               <a:rPr lang="en-US" smtClean="0"/>
-              <a:t>7/26/2023</a:t>
+              <a:t>9/7/2023</a:t>
             </a:fld>
             <a:endParaRPr lang="en-US"/>
           </a:p>
@@ -3480,7 +3589,7 @@
           <a:p>
             <a:fld id="{9B556190-6725-42BC-91B8-2ED81A29EEE5}" type="datetimeFigureOut">
               <a:rPr lang="en-US" smtClean="0"/>
-              <a:t>7/26/2023</a:t>
+              <a:t>9/7/2023</a:t>
             </a:fld>
             <a:endParaRPr lang="en-US"/>
           </a:p>
@@ -3693,7 +3802,7 @@
           <a:p>
             <a:fld id="{9B556190-6725-42BC-91B8-2ED81A29EEE5}" type="datetimeFigureOut">
               <a:rPr lang="en-US" smtClean="0"/>
-              <a:t>7/26/2023</a:t>
+              <a:t>9/7/2023</a:t>
             </a:fld>
             <a:endParaRPr lang="en-US"/>
           </a:p>
@@ -4100,7 +4209,7 @@
       </p:grpSpPr>
       <p:graphicFrame>
         <p:nvGraphicFramePr>
-          <p:cNvPr id="4" name="Chart 3">
+          <p:cNvPr id="2" name="Chart 1">
             <a:extLst>
               <a:ext uri="{FF2B5EF4-FFF2-40B4-BE49-F238E27FC236}">
                 <a16:creationId xmlns:a16="http://schemas.microsoft.com/office/drawing/2014/main" id="{0B407708-700E-4821-8FEF-1F199DC2B97C}"/>
@@ -4113,14 +4222,14 @@
           <p:nvPr>
             <p:extLst>
               <p:ext uri="{D42A27DB-BD31-4B8C-83A1-F6EECF244321}">
-                <p14:modId xmlns:p14="http://schemas.microsoft.com/office/powerpoint/2010/main" val="3305294516"/>
+                <p14:modId xmlns:p14="http://schemas.microsoft.com/office/powerpoint/2010/main" val="1220577271"/>
               </p:ext>
             </p:extLst>
           </p:nvPr>
         </p:nvGraphicFramePr>
         <p:xfrm>
           <a:off x="0" y="0"/>
-          <a:ext cx="10972800" cy="5943600"/>
+          <a:ext cx="10972800" cy="6292423"/>
         </p:xfrm>
         <a:graphic>
           <a:graphicData uri="http://schemas.openxmlformats.org/drawingml/2006/chart">
@@ -4400,4 +4509,256 @@
     </a:ext>
   </a:extLst>
 </a:theme>
+</file>
+
+<file path=ppt/theme/themeOverride1.xml><?xml version="1.0" encoding="utf-8"?>
+<a:themeOverride xmlns:a="http://schemas.openxmlformats.org/drawingml/2006/main">
+  <a:clrScheme name="Office Theme">
+    <a:dk1>
+      <a:sysClr val="windowText" lastClr="000000"/>
+    </a:dk1>
+    <a:lt1>
+      <a:sysClr val="window" lastClr="FFFFFF"/>
+    </a:lt1>
+    <a:dk2>
+      <a:srgbClr val="44546A"/>
+    </a:dk2>
+    <a:lt2>
+      <a:srgbClr val="E7E6E6"/>
+    </a:lt2>
+    <a:accent1>
+      <a:srgbClr val="4472C4"/>
+    </a:accent1>
+    <a:accent2>
+      <a:srgbClr val="ED7D31"/>
+    </a:accent2>
+    <a:accent3>
+      <a:srgbClr val="A5A5A5"/>
+    </a:accent3>
+    <a:accent4>
+      <a:srgbClr val="FFC000"/>
+    </a:accent4>
+    <a:accent5>
+      <a:srgbClr val="5B9BD5"/>
+    </a:accent5>
+    <a:accent6>
+      <a:srgbClr val="70AD47"/>
+    </a:accent6>
+    <a:hlink>
+      <a:srgbClr val="0563C1"/>
+    </a:hlink>
+    <a:folHlink>
+      <a:srgbClr val="954F72"/>
+    </a:folHlink>
+  </a:clrScheme>
+  <a:fontScheme name="Office Theme">
+    <a:majorFont>
+      <a:latin typeface="Calibri Light" panose="020F0302020204030204"/>
+      <a:ea typeface=""/>
+      <a:cs typeface=""/>
+      <a:font script="Jpan" typeface="游ゴシック Light"/>
+      <a:font script="Hang" typeface="맑은 고딕"/>
+      <a:font script="Hans" typeface="等线 Light"/>
+      <a:font script="Hant" typeface="新細明體"/>
+      <a:font script="Arab" typeface="Times New Roman"/>
+      <a:font script="Hebr" typeface="Times New Roman"/>
+      <a:font script="Thai" typeface="Angsana New"/>
+      <a:font script="Ethi" typeface="Nyala"/>
+      <a:font script="Beng" typeface="Vrinda"/>
+      <a:font script="Gujr" typeface="Shruti"/>
+      <a:font script="Khmr" typeface="MoolBoran"/>
+      <a:font script="Knda" typeface="Tunga"/>
+      <a:font script="Guru" typeface="Raavi"/>
+      <a:font script="Cans" typeface="Euphemia"/>
+      <a:font script="Cher" typeface="Plantagenet Cherokee"/>
+      <a:font script="Yiii" typeface="Microsoft Yi Baiti"/>
+      <a:font script="Tibt" typeface="Microsoft Himalaya"/>
+      <a:font script="Thaa" typeface="MV Boli"/>
+      <a:font script="Deva" typeface="Mangal"/>
+      <a:font script="Telu" typeface="Gautami"/>
+      <a:font script="Taml" typeface="Latha"/>
+      <a:font script="Syrc" typeface="Estrangelo Edessa"/>
+      <a:font script="Orya" typeface="Kalinga"/>
+      <a:font script="Mlym" typeface="Kartika"/>
+      <a:font script="Laoo" typeface="DokChampa"/>
+      <a:font script="Sinh" typeface="Iskoola Pota"/>
+      <a:font script="Mong" typeface="Mongolian Baiti"/>
+      <a:font script="Viet" typeface="Times New Roman"/>
+      <a:font script="Uigh" typeface="Microsoft Uighur"/>
+      <a:font script="Geor" typeface="Sylfaen"/>
+    </a:majorFont>
+    <a:minorFont>
+      <a:latin typeface="Calibri" panose="020F0502020204030204"/>
+      <a:ea typeface=""/>
+      <a:cs typeface=""/>
+      <a:font script="Jpan" typeface="游ゴシック"/>
+      <a:font script="Hang" typeface="맑은 고딕"/>
+      <a:font script="Hans" typeface="等线"/>
+      <a:font script="Hant" typeface="新細明體"/>
+      <a:font script="Arab" typeface="Arial"/>
+      <a:font script="Hebr" typeface="Arial"/>
+      <a:font script="Thai" typeface="Cordia New"/>
+      <a:font script="Ethi" typeface="Nyala"/>
+      <a:font script="Beng" typeface="Vrinda"/>
+      <a:font script="Gujr" typeface="Shruti"/>
+      <a:font script="Khmr" typeface="DaunPenh"/>
+      <a:font script="Knda" typeface="Tunga"/>
+      <a:font script="Guru" typeface="Raavi"/>
+      <a:font script="Cans" typeface="Euphemia"/>
+      <a:font script="Cher" typeface="Plantagenet Cherokee"/>
+      <a:font script="Yiii" typeface="Microsoft Yi Baiti"/>
+      <a:font script="Tibt" typeface="Microsoft Himalaya"/>
+      <a:font script="Thaa" typeface="MV Boli"/>
+      <a:font script="Deva" typeface="Mangal"/>
+      <a:font script="Telu" typeface="Gautami"/>
+      <a:font script="Taml" typeface="Latha"/>
+      <a:font script="Syrc" typeface="Estrangelo Edessa"/>
+      <a:font script="Orya" typeface="Kalinga"/>
+      <a:font script="Mlym" typeface="Kartika"/>
+      <a:font script="Laoo" typeface="DokChampa"/>
+      <a:font script="Sinh" typeface="Iskoola Pota"/>
+      <a:font script="Mong" typeface="Mongolian Baiti"/>
+      <a:font script="Viet" typeface="Arial"/>
+      <a:font script="Uigh" typeface="Microsoft Uighur"/>
+      <a:font script="Geor" typeface="Sylfaen"/>
+    </a:minorFont>
+  </a:fontScheme>
+  <a:fmtScheme name="Office Theme">
+    <a:fillStyleLst>
+      <a:solidFill>
+        <a:schemeClr val="phClr"/>
+      </a:solidFill>
+      <a:gradFill rotWithShape="1">
+        <a:gsLst>
+          <a:gs pos="0">
+            <a:schemeClr val="phClr">
+              <a:lumMod val="110000"/>
+              <a:satMod val="105000"/>
+              <a:tint val="67000"/>
+            </a:schemeClr>
+          </a:gs>
+          <a:gs pos="50000">
+            <a:schemeClr val="phClr">
+              <a:lumMod val="105000"/>
+              <a:satMod val="103000"/>
+              <a:tint val="73000"/>
+            </a:schemeClr>
+          </a:gs>
+          <a:gs pos="100000">
+            <a:schemeClr val="phClr">
+              <a:lumMod val="105000"/>
+              <a:satMod val="109000"/>
+              <a:tint val="81000"/>
+            </a:schemeClr>
+          </a:gs>
+        </a:gsLst>
+        <a:lin ang="5400000" scaled="0"/>
+      </a:gradFill>
+      <a:gradFill rotWithShape="1">
+        <a:gsLst>
+          <a:gs pos="0">
+            <a:schemeClr val="phClr">
+              <a:satMod val="103000"/>
+              <a:lumMod val="102000"/>
+              <a:tint val="94000"/>
+            </a:schemeClr>
+          </a:gs>
+          <a:gs pos="50000">
+            <a:schemeClr val="phClr">
+              <a:satMod val="110000"/>
+              <a:lumMod val="100000"/>
+              <a:shade val="100000"/>
+            </a:schemeClr>
+          </a:gs>
+          <a:gs pos="100000">
+            <a:schemeClr val="phClr">
+              <a:lumMod val="99000"/>
+              <a:satMod val="120000"/>
+              <a:shade val="78000"/>
+            </a:schemeClr>
+          </a:gs>
+        </a:gsLst>
+        <a:lin ang="5400000" scaled="0"/>
+      </a:gradFill>
+    </a:fillStyleLst>
+    <a:lnStyleLst>
+      <a:ln w="6350" cap="flat" cmpd="sng" algn="ctr">
+        <a:solidFill>
+          <a:schemeClr val="phClr"/>
+        </a:solidFill>
+        <a:prstDash val="solid"/>
+        <a:miter lim="800000"/>
+      </a:ln>
+      <a:ln w="12700" cap="flat" cmpd="sng" algn="ctr">
+        <a:solidFill>
+          <a:schemeClr val="phClr"/>
+        </a:solidFill>
+        <a:prstDash val="solid"/>
+        <a:miter lim="800000"/>
+      </a:ln>
+      <a:ln w="19050" cap="flat" cmpd="sng" algn="ctr">
+        <a:solidFill>
+          <a:schemeClr val="phClr"/>
+        </a:solidFill>
+        <a:prstDash val="solid"/>
+        <a:miter lim="800000"/>
+      </a:ln>
+    </a:lnStyleLst>
+    <a:effectStyleLst>
+      <a:effectStyle>
+        <a:effectLst/>
+      </a:effectStyle>
+      <a:effectStyle>
+        <a:effectLst/>
+      </a:effectStyle>
+      <a:effectStyle>
+        <a:effectLst>
+          <a:outerShdw blurRad="57150" dist="19050" dir="5400000" algn="ctr" rotWithShape="0">
+            <a:srgbClr val="000000">
+              <a:alpha val="63000"/>
+            </a:srgbClr>
+          </a:outerShdw>
+        </a:effectLst>
+      </a:effectStyle>
+    </a:effectStyleLst>
+    <a:bgFillStyleLst>
+      <a:solidFill>
+        <a:schemeClr val="phClr"/>
+      </a:solidFill>
+      <a:solidFill>
+        <a:schemeClr val="phClr">
+          <a:tint val="95000"/>
+          <a:satMod val="170000"/>
+        </a:schemeClr>
+      </a:solidFill>
+      <a:gradFill rotWithShape="1">
+        <a:gsLst>
+          <a:gs pos="0">
+            <a:schemeClr val="phClr">
+              <a:tint val="93000"/>
+              <a:satMod val="150000"/>
+              <a:shade val="98000"/>
+              <a:lumMod val="102000"/>
+            </a:schemeClr>
+          </a:gs>
+          <a:gs pos="50000">
+            <a:schemeClr val="phClr">
+              <a:tint val="98000"/>
+              <a:satMod val="130000"/>
+              <a:shade val="90000"/>
+              <a:lumMod val="103000"/>
+            </a:schemeClr>
+          </a:gs>
+          <a:gs pos="100000">
+            <a:schemeClr val="phClr">
+              <a:shade val="63000"/>
+              <a:satMod val="120000"/>
+            </a:schemeClr>
+          </a:gs>
+        </a:gsLst>
+        <a:lin ang="5400000" scaled="0"/>
+      </a:gradFill>
+    </a:bgFillStyleLst>
+  </a:fmtScheme>
+</a:themeOverride>
 </file>